--- a/Dokumentation/Beispiele.pptx
+++ b/Dokumentation/Beispiele.pptx
@@ -835,7 +835,7 @@
           <a:p>
             <a:fld id="{D9413446-68B0-47D1-BD9B-07C744334FC5}" type="datetimeFigureOut">
               <a:rPr lang="de-DE" smtClean="0"/>
-              <a:t>19.12.2016</a:t>
+              <a:t>20.12.2016</a:t>
             </a:fld>
             <a:endParaRPr lang="de-DE"/>
           </a:p>
@@ -1086,7 +1086,7 @@
           <a:p>
             <a:fld id="{D9413446-68B0-47D1-BD9B-07C744334FC5}" type="datetimeFigureOut">
               <a:rPr lang="de-DE" smtClean="0"/>
-              <a:t>19.12.2016</a:t>
+              <a:t>20.12.2016</a:t>
             </a:fld>
             <a:endParaRPr lang="de-DE"/>
           </a:p>
@@ -1400,7 +1400,7 @@
           <a:p>
             <a:fld id="{D9413446-68B0-47D1-BD9B-07C744334FC5}" type="datetimeFigureOut">
               <a:rPr lang="de-DE" smtClean="0"/>
-              <a:t>19.12.2016</a:t>
+              <a:t>20.12.2016</a:t>
             </a:fld>
             <a:endParaRPr lang="de-DE"/>
           </a:p>
@@ -1741,7 +1741,7 @@
           <a:p>
             <a:fld id="{D9413446-68B0-47D1-BD9B-07C744334FC5}" type="datetimeFigureOut">
               <a:rPr lang="de-DE" smtClean="0"/>
-              <a:t>19.12.2016</a:t>
+              <a:t>20.12.2016</a:t>
             </a:fld>
             <a:endParaRPr lang="de-DE"/>
           </a:p>
@@ -2055,7 +2055,7 @@
           <a:p>
             <a:fld id="{D9413446-68B0-47D1-BD9B-07C744334FC5}" type="datetimeFigureOut">
               <a:rPr lang="de-DE" smtClean="0"/>
-              <a:t>19.12.2016</a:t>
+              <a:t>20.12.2016</a:t>
             </a:fld>
             <a:endParaRPr lang="de-DE"/>
           </a:p>
@@ -2448,7 +2448,7 @@
           <a:p>
             <a:fld id="{D9413446-68B0-47D1-BD9B-07C744334FC5}" type="datetimeFigureOut">
               <a:rPr lang="de-DE" smtClean="0"/>
-              <a:t>19.12.2016</a:t>
+              <a:t>20.12.2016</a:t>
             </a:fld>
             <a:endParaRPr lang="de-DE"/>
           </a:p>
@@ -2618,7 +2618,7 @@
           <a:p>
             <a:fld id="{D9413446-68B0-47D1-BD9B-07C744334FC5}" type="datetimeFigureOut">
               <a:rPr lang="de-DE" smtClean="0"/>
-              <a:t>19.12.2016</a:t>
+              <a:t>20.12.2016</a:t>
             </a:fld>
             <a:endParaRPr lang="de-DE"/>
           </a:p>
@@ -2798,7 +2798,7 @@
           <a:p>
             <a:fld id="{D9413446-68B0-47D1-BD9B-07C744334FC5}" type="datetimeFigureOut">
               <a:rPr lang="de-DE" smtClean="0"/>
-              <a:t>19.12.2016</a:t>
+              <a:t>20.12.2016</a:t>
             </a:fld>
             <a:endParaRPr lang="de-DE"/>
           </a:p>
@@ -2974,7 +2974,7 @@
           <a:p>
             <a:fld id="{D9413446-68B0-47D1-BD9B-07C744334FC5}" type="datetimeFigureOut">
               <a:rPr lang="de-DE" smtClean="0"/>
-              <a:t>19.12.2016</a:t>
+              <a:t>20.12.2016</a:t>
             </a:fld>
             <a:endParaRPr lang="de-DE"/>
           </a:p>
@@ -3221,7 +3221,7 @@
           <a:p>
             <a:fld id="{D9413446-68B0-47D1-BD9B-07C744334FC5}" type="datetimeFigureOut">
               <a:rPr lang="de-DE" smtClean="0"/>
-              <a:t>19.12.2016</a:t>
+              <a:t>20.12.2016</a:t>
             </a:fld>
             <a:endParaRPr lang="de-DE"/>
           </a:p>
@@ -3453,7 +3453,7 @@
           <a:p>
             <a:fld id="{D9413446-68B0-47D1-BD9B-07C744334FC5}" type="datetimeFigureOut">
               <a:rPr lang="de-DE" smtClean="0"/>
-              <a:t>19.12.2016</a:t>
+              <a:t>20.12.2016</a:t>
             </a:fld>
             <a:endParaRPr lang="de-DE"/>
           </a:p>
@@ -3827,7 +3827,7 @@
           <a:p>
             <a:fld id="{D9413446-68B0-47D1-BD9B-07C744334FC5}" type="datetimeFigureOut">
               <a:rPr lang="de-DE" smtClean="0"/>
-              <a:t>19.12.2016</a:t>
+              <a:t>20.12.2016</a:t>
             </a:fld>
             <a:endParaRPr lang="de-DE"/>
           </a:p>
@@ -3950,7 +3950,7 @@
           <a:p>
             <a:fld id="{D9413446-68B0-47D1-BD9B-07C744334FC5}" type="datetimeFigureOut">
               <a:rPr lang="de-DE" smtClean="0"/>
-              <a:t>19.12.2016</a:t>
+              <a:t>20.12.2016</a:t>
             </a:fld>
             <a:endParaRPr lang="de-DE"/>
           </a:p>
@@ -4045,7 +4045,7 @@
           <a:p>
             <a:fld id="{D9413446-68B0-47D1-BD9B-07C744334FC5}" type="datetimeFigureOut">
               <a:rPr lang="de-DE" smtClean="0"/>
-              <a:t>19.12.2016</a:t>
+              <a:t>20.12.2016</a:t>
             </a:fld>
             <a:endParaRPr lang="de-DE"/>
           </a:p>
@@ -4300,7 +4300,7 @@
           <a:p>
             <a:fld id="{D9413446-68B0-47D1-BD9B-07C744334FC5}" type="datetimeFigureOut">
               <a:rPr lang="de-DE" smtClean="0"/>
-              <a:t>19.12.2016</a:t>
+              <a:t>20.12.2016</a:t>
             </a:fld>
             <a:endParaRPr lang="de-DE"/>
           </a:p>
@@ -4563,7 +4563,7 @@
           <a:p>
             <a:fld id="{D9413446-68B0-47D1-BD9B-07C744334FC5}" type="datetimeFigureOut">
               <a:rPr lang="de-DE" smtClean="0"/>
-              <a:t>19.12.2016</a:t>
+              <a:t>20.12.2016</a:t>
             </a:fld>
             <a:endParaRPr lang="de-DE"/>
           </a:p>
@@ -5306,7 +5306,7 @@
           <a:p>
             <a:fld id="{D9413446-68B0-47D1-BD9B-07C744334FC5}" type="datetimeFigureOut">
               <a:rPr lang="de-DE" smtClean="0"/>
-              <a:t>19.12.2016</a:t>
+              <a:t>20.12.2016</a:t>
             </a:fld>
             <a:endParaRPr lang="de-DE"/>
           </a:p>
@@ -5838,7 +5838,7 @@
         </p:nvSpPr>
         <p:spPr>
           <a:xfrm>
-            <a:off x="4283108" y="1621902"/>
+            <a:off x="4283108" y="1637785"/>
             <a:ext cx="3385457" cy="4690022"/>
           </a:xfrm>
           <a:prstGeom prst="rect">
@@ -6883,15 +6883,12 @@
       <p:cxnSp>
         <p:nvCxnSpPr>
           <p:cNvPr id="63" name="Gerade Verbindung mit Pfeil 62"/>
-          <p:cNvCxnSpPr>
-            <a:stCxn id="13" idx="6"/>
-            <a:endCxn id="134" idx="2"/>
-          </p:cNvCxnSpPr>
+          <p:cNvCxnSpPr/>
           <p:nvPr/>
         </p:nvCxnSpPr>
         <p:spPr>
           <a:xfrm>
-            <a:off x="5535386" y="5780314"/>
+            <a:off x="5549120" y="5780314"/>
             <a:ext cx="1039585" cy="0"/>
           </a:xfrm>
           <a:prstGeom prst="straightConnector1">
@@ -7613,14 +7610,14 @@
           <p:nvPr>
             <p:extLst>
               <p:ext uri="{D42A27DB-BD31-4B8C-83A1-F6EECF244321}">
-                <p14:modId xmlns:p14="http://schemas.microsoft.com/office/powerpoint/2010/main" val="3390240358"/>
+                <p14:modId xmlns:p14="http://schemas.microsoft.com/office/powerpoint/2010/main" val="1691622917"/>
               </p:ext>
             </p:extLst>
           </p:nvPr>
         </p:nvGraphicFramePr>
         <p:xfrm>
           <a:off x="1817913" y="1295396"/>
-          <a:ext cx="5802087" cy="3502462"/>
+          <a:ext cx="5802087" cy="3513348"/>
         </p:xfrm>
         <a:graphic>
           <a:graphicData uri="http://schemas.openxmlformats.org/drawingml/2006/table">
@@ -7636,14 +7633,14 @@
                     </a:ext>
                   </a:extLst>
                 </a:gridCol>
-                <a:gridCol w="566871">
+                <a:gridCol w="556423">
                   <a:extLst>
                     <a:ext uri="{9D8B030D-6E8A-4147-A177-3AD203B41FA5}">
                       <a16:colId xmlns:a16="http://schemas.microsoft.com/office/drawing/2014/main" val="3911951038"/>
                     </a:ext>
                   </a:extLst>
                 </a:gridCol>
-                <a:gridCol w="722482">
+                <a:gridCol w="732930">
                   <a:extLst>
                     <a:ext uri="{9D8B030D-6E8A-4147-A177-3AD203B41FA5}">
                       <a16:colId xmlns:a16="http://schemas.microsoft.com/office/drawing/2014/main" val="3970298322"/>
@@ -7850,7 +7847,7 @@
                   </a:ext>
                 </a:extLst>
               </a:tr>
-              <a:tr h="452870">
+              <a:tr h="463756">
                 <a:tc>
                   <a:txBody>
                     <a:bodyPr/>
